--- a/all the pics.pptx
+++ b/all the pics.pptx
@@ -6,6 +6,8 @@
   </p:sldMasterIdLst>
   <p:sldIdLst>
     <p:sldId id="256" r:id="rId2"/>
+    <p:sldId id="257" r:id="rId3"/>
+    <p:sldId id="258" r:id="rId4"/>
   </p:sldIdLst>
   <p:sldSz cx="12192000" cy="6858000"/>
   <p:notesSz cx="6858000" cy="9144000"/>
@@ -104,6 +106,11 @@
       </a:defRPr>
     </a:lvl9pPr>
   </p:defaultTextStyle>
+  <p:extLst>
+    <p:ext uri="{EFAFB233-063F-42B5-8137-9DF3F51BA10A}">
+      <p15:sldGuideLst xmlns:p15="http://schemas.microsoft.com/office/powerpoint/2012/main"/>
+    </p:ext>
+  </p:extLst>
 </p:presentation>
 </file>
 
@@ -256,7 +263,7 @@
           <a:p>
             <a:fld id="{1579D21C-3745-482C-BD51-F0EFA4F89DA8}" type="datetimeFigureOut">
               <a:rPr lang="en-SG" smtClean="0"/>
-              <a:t>16/2/2019</a:t>
+              <a:t>18/2/2019</a:t>
             </a:fld>
             <a:endParaRPr lang="en-SG"/>
           </a:p>
@@ -456,7 +463,7 @@
           <a:p>
             <a:fld id="{1579D21C-3745-482C-BD51-F0EFA4F89DA8}" type="datetimeFigureOut">
               <a:rPr lang="en-SG" smtClean="0"/>
-              <a:t>16/2/2019</a:t>
+              <a:t>18/2/2019</a:t>
             </a:fld>
             <a:endParaRPr lang="en-SG"/>
           </a:p>
@@ -666,7 +673,7 @@
           <a:p>
             <a:fld id="{1579D21C-3745-482C-BD51-F0EFA4F89DA8}" type="datetimeFigureOut">
               <a:rPr lang="en-SG" smtClean="0"/>
-              <a:t>16/2/2019</a:t>
+              <a:t>18/2/2019</a:t>
             </a:fld>
             <a:endParaRPr lang="en-SG"/>
           </a:p>
@@ -866,7 +873,7 @@
           <a:p>
             <a:fld id="{1579D21C-3745-482C-BD51-F0EFA4F89DA8}" type="datetimeFigureOut">
               <a:rPr lang="en-SG" smtClean="0"/>
-              <a:t>16/2/2019</a:t>
+              <a:t>18/2/2019</a:t>
             </a:fld>
             <a:endParaRPr lang="en-SG"/>
           </a:p>
@@ -1142,7 +1149,7 @@
           <a:p>
             <a:fld id="{1579D21C-3745-482C-BD51-F0EFA4F89DA8}" type="datetimeFigureOut">
               <a:rPr lang="en-SG" smtClean="0"/>
-              <a:t>16/2/2019</a:t>
+              <a:t>18/2/2019</a:t>
             </a:fld>
             <a:endParaRPr lang="en-SG"/>
           </a:p>
@@ -1410,7 +1417,7 @@
           <a:p>
             <a:fld id="{1579D21C-3745-482C-BD51-F0EFA4F89DA8}" type="datetimeFigureOut">
               <a:rPr lang="en-SG" smtClean="0"/>
-              <a:t>16/2/2019</a:t>
+              <a:t>18/2/2019</a:t>
             </a:fld>
             <a:endParaRPr lang="en-SG"/>
           </a:p>
@@ -1825,7 +1832,7 @@
           <a:p>
             <a:fld id="{1579D21C-3745-482C-BD51-F0EFA4F89DA8}" type="datetimeFigureOut">
               <a:rPr lang="en-SG" smtClean="0"/>
-              <a:t>16/2/2019</a:t>
+              <a:t>18/2/2019</a:t>
             </a:fld>
             <a:endParaRPr lang="en-SG"/>
           </a:p>
@@ -1967,7 +1974,7 @@
           <a:p>
             <a:fld id="{1579D21C-3745-482C-BD51-F0EFA4F89DA8}" type="datetimeFigureOut">
               <a:rPr lang="en-SG" smtClean="0"/>
-              <a:t>16/2/2019</a:t>
+              <a:t>18/2/2019</a:t>
             </a:fld>
             <a:endParaRPr lang="en-SG"/>
           </a:p>
@@ -2080,7 +2087,7 @@
           <a:p>
             <a:fld id="{1579D21C-3745-482C-BD51-F0EFA4F89DA8}" type="datetimeFigureOut">
               <a:rPr lang="en-SG" smtClean="0"/>
-              <a:t>16/2/2019</a:t>
+              <a:t>18/2/2019</a:t>
             </a:fld>
             <a:endParaRPr lang="en-SG"/>
           </a:p>
@@ -2393,7 +2400,7 @@
           <a:p>
             <a:fld id="{1579D21C-3745-482C-BD51-F0EFA4F89DA8}" type="datetimeFigureOut">
               <a:rPr lang="en-SG" smtClean="0"/>
-              <a:t>16/2/2019</a:t>
+              <a:t>18/2/2019</a:t>
             </a:fld>
             <a:endParaRPr lang="en-SG"/>
           </a:p>
@@ -2682,7 +2689,7 @@
           <a:p>
             <a:fld id="{1579D21C-3745-482C-BD51-F0EFA4F89DA8}" type="datetimeFigureOut">
               <a:rPr lang="en-SG" smtClean="0"/>
-              <a:t>16/2/2019</a:t>
+              <a:t>18/2/2019</a:t>
             </a:fld>
             <a:endParaRPr lang="en-SG"/>
           </a:p>
@@ -2925,7 +2932,7 @@
           <a:p>
             <a:fld id="{1579D21C-3745-482C-BD51-F0EFA4F89DA8}" type="datetimeFigureOut">
               <a:rPr lang="en-SG" smtClean="0"/>
-              <a:t>16/2/2019</a:t>
+              <a:t>18/2/2019</a:t>
             </a:fld>
             <a:endParaRPr lang="en-SG"/>
           </a:p>
@@ -3596,6 +3603,457 @@
 </p:sld>
 </file>
 
+<file path=ppt/slides/slide2.xml><?xml version="1.0" encoding="utf-8"?>
+<p:sld xmlns:a="http://schemas.openxmlformats.org/drawingml/2006/main" xmlns:r="http://schemas.openxmlformats.org/officeDocument/2006/relationships" xmlns:p="http://schemas.openxmlformats.org/presentationml/2006/main">
+  <p:cSld>
+    <p:bg>
+      <p:bgPr>
+        <a:solidFill>
+          <a:schemeClr val="bg1"/>
+        </a:solidFill>
+        <a:effectLst/>
+      </p:bgPr>
+    </p:bg>
+    <p:spTree>
+      <p:nvGrpSpPr>
+        <p:cNvPr id="1" name=""/>
+        <p:cNvGrpSpPr/>
+        <p:nvPr/>
+      </p:nvGrpSpPr>
+      <p:grpSpPr>
+        <a:xfrm>
+          <a:off x="0" y="0"/>
+          <a:ext cx="0" cy="0"/>
+          <a:chOff x="0" y="0"/>
+          <a:chExt cx="0" cy="0"/>
+        </a:xfrm>
+      </p:grpSpPr>
+      <p:sp>
+        <p:nvSpPr>
+          <p:cNvPr id="12" name="Rectangle 11">
+            <a:extLst>
+              <a:ext uri="{FF2B5EF4-FFF2-40B4-BE49-F238E27FC236}">
+                <a16:creationId xmlns:a16="http://schemas.microsoft.com/office/drawing/2014/main" id="{A9F529C3-C941-49FD-8C67-82F134F64BDB}"/>
+              </a:ext>
+              <a:ext uri="{C183D7F6-B498-43B3-948B-1728B52AA6E4}">
+                <adec:decorative xmlns:adec="http://schemas.microsoft.com/office/drawing/2017/decorative" val="1"/>
+              </a:ext>
+            </a:extLst>
+          </p:cNvPr>
+          <p:cNvSpPr>
+            <a:spLocks noGrp="1" noRot="1" noChangeAspect="1" noMove="1" noResize="1" noEditPoints="1" noAdjustHandles="1" noChangeArrowheads="1" noChangeShapeType="1" noTextEdit="1"/>
+          </p:cNvSpPr>
+          <p:nvPr>
+            <p:extLst>
+              <p:ext uri="{386F3935-93C4-4BCD-93E2-E3B085C9AB24}">
+                <p16:designElem xmlns:p16="http://schemas.microsoft.com/office/powerpoint/2015/main" val="1"/>
+              </p:ext>
+            </p:extLst>
+          </p:nvPr>
+        </p:nvSpPr>
+        <p:spPr>
+          <a:xfrm>
+            <a:off x="0" y="0"/>
+            <a:ext cx="12192000" cy="6858000"/>
+          </a:xfrm>
+          <a:prstGeom prst="rect">
+            <a:avLst/>
+          </a:prstGeom>
+          <a:solidFill>
+            <a:schemeClr val="tx1">
+              <a:lumMod val="50000"/>
+              <a:lumOff val="50000"/>
+              <a:alpha val="30000"/>
+            </a:schemeClr>
+          </a:solidFill>
+          <a:ln>
+            <a:noFill/>
+          </a:ln>
+        </p:spPr>
+        <p:style>
+          <a:lnRef idx="2">
+            <a:schemeClr val="accent1">
+              <a:shade val="50000"/>
+            </a:schemeClr>
+          </a:lnRef>
+          <a:fillRef idx="1">
+            <a:schemeClr val="accent1"/>
+          </a:fillRef>
+          <a:effectRef idx="0">
+            <a:schemeClr val="accent1"/>
+          </a:effectRef>
+          <a:fontRef idx="minor">
+            <a:schemeClr val="lt1"/>
+          </a:fontRef>
+        </p:style>
+        <p:txBody>
+          <a:bodyPr rtlCol="0" anchor="ctr"/>
+          <a:lstStyle/>
+          <a:p>
+            <a:pPr algn="ctr"/>
+            <a:endParaRPr lang="en-US"/>
+          </a:p>
+        </p:txBody>
+      </p:sp>
+      <p:sp>
+        <p:nvSpPr>
+          <p:cNvPr id="14" name="Rectangle 13">
+            <a:extLst>
+              <a:ext uri="{FF2B5EF4-FFF2-40B4-BE49-F238E27FC236}">
+                <a16:creationId xmlns:a16="http://schemas.microsoft.com/office/drawing/2014/main" id="{20586029-32A0-47E5-9AEC-AE3ABA6B94D0}"/>
+              </a:ext>
+              <a:ext uri="{C183D7F6-B498-43B3-948B-1728B52AA6E4}">
+                <adec:decorative xmlns:adec="http://schemas.microsoft.com/office/drawing/2017/decorative" val="1"/>
+              </a:ext>
+            </a:extLst>
+          </p:cNvPr>
+          <p:cNvSpPr>
+            <a:spLocks noGrp="1" noRot="1" noChangeAspect="1" noMove="1" noResize="1" noEditPoints="1" noAdjustHandles="1" noChangeArrowheads="1" noChangeShapeType="1" noTextEdit="1"/>
+          </p:cNvSpPr>
+          <p:nvPr>
+            <p:extLst>
+              <p:ext uri="{386F3935-93C4-4BCD-93E2-E3B085C9AB24}">
+                <p16:designElem xmlns:p16="http://schemas.microsoft.com/office/powerpoint/2015/main" val="1"/>
+              </p:ext>
+            </p:extLst>
+          </p:nvPr>
+        </p:nvSpPr>
+        <p:spPr>
+          <a:xfrm>
+            <a:off x="477012" y="480060"/>
+            <a:ext cx="11237976" cy="5897880"/>
+          </a:xfrm>
+          <a:prstGeom prst="rect">
+            <a:avLst/>
+          </a:prstGeom>
+          <a:solidFill>
+            <a:srgbClr val="FFFFFF"/>
+          </a:solidFill>
+          <a:ln w="9525">
+            <a:noFill/>
+          </a:ln>
+          <a:effectLst>
+            <a:outerShdw blurRad="63500" dist="17780" dir="5400000" algn="t" rotWithShape="0">
+              <a:prstClr val="black">
+                <a:alpha val="43000"/>
+              </a:prstClr>
+            </a:outerShdw>
+          </a:effectLst>
+        </p:spPr>
+        <p:style>
+          <a:lnRef idx="2">
+            <a:schemeClr val="accent1">
+              <a:shade val="50000"/>
+            </a:schemeClr>
+          </a:lnRef>
+          <a:fillRef idx="1">
+            <a:schemeClr val="accent1"/>
+          </a:fillRef>
+          <a:effectRef idx="0">
+            <a:schemeClr val="accent1"/>
+          </a:effectRef>
+          <a:fontRef idx="minor">
+            <a:schemeClr val="lt1"/>
+          </a:fontRef>
+        </p:style>
+        <p:txBody>
+          <a:bodyPr rtlCol="0" anchor="ctr"/>
+          <a:lstStyle/>
+          <a:p>
+            <a:pPr algn="ctr"/>
+            <a:endParaRPr lang="en-US"/>
+          </a:p>
+        </p:txBody>
+      </p:sp>
+      <p:cxnSp>
+        <p:nvCxnSpPr>
+          <p:cNvPr id="16" name="Straight Connector 15">
+            <a:extLst>
+              <a:ext uri="{FF2B5EF4-FFF2-40B4-BE49-F238E27FC236}">
+                <a16:creationId xmlns:a16="http://schemas.microsoft.com/office/drawing/2014/main" id="{8C730EAB-A532-4295-A302-FB4B90DB9F5E}"/>
+              </a:ext>
+              <a:ext uri="{C183D7F6-B498-43B3-948B-1728B52AA6E4}">
+                <adec:decorative xmlns:adec="http://schemas.microsoft.com/office/drawing/2017/decorative" val="1"/>
+              </a:ext>
+            </a:extLst>
+          </p:cNvPr>
+          <p:cNvCxnSpPr>
+            <a:cxnSpLocks noGrp="1" noRot="1" noChangeAspect="1" noMove="1" noResize="1" noEditPoints="1" noAdjustHandles="1" noChangeArrowheads="1" noChangeShapeType="1"/>
+          </p:cNvCxnSpPr>
+          <p:nvPr>
+            <p:extLst>
+              <p:ext uri="{386F3935-93C4-4BCD-93E2-E3B085C9AB24}">
+                <p16:designElem xmlns:p16="http://schemas.microsoft.com/office/powerpoint/2015/main" val="1"/>
+              </p:ext>
+            </p:extLst>
+          </p:nvPr>
+        </p:nvCxnSpPr>
+        <p:spPr>
+          <a:xfrm>
+            <a:off x="6079958" y="1143000"/>
+            <a:ext cx="0" cy="4572000"/>
+          </a:xfrm>
+          <a:prstGeom prst="line">
+            <a:avLst/>
+          </a:prstGeom>
+          <a:ln>
+            <a:solidFill>
+              <a:srgbClr val="4E4E4E"/>
+            </a:solidFill>
+          </a:ln>
+        </p:spPr>
+        <p:style>
+          <a:lnRef idx="1">
+            <a:schemeClr val="accent1"/>
+          </a:lnRef>
+          <a:fillRef idx="0">
+            <a:schemeClr val="accent1"/>
+          </a:fillRef>
+          <a:effectRef idx="0">
+            <a:schemeClr val="accent1"/>
+          </a:effectRef>
+          <a:fontRef idx="minor">
+            <a:schemeClr val="tx1"/>
+          </a:fontRef>
+        </p:style>
+      </p:cxnSp>
+      <p:grpSp>
+        <p:nvGrpSpPr>
+          <p:cNvPr id="8" name="Group 7">
+            <a:extLst>
+              <a:ext uri="{FF2B5EF4-FFF2-40B4-BE49-F238E27FC236}">
+                <a16:creationId xmlns:a16="http://schemas.microsoft.com/office/drawing/2014/main" id="{97C2491C-C2F3-4141-B87F-8E44D76DC6FF}"/>
+              </a:ext>
+            </a:extLst>
+          </p:cNvPr>
+          <p:cNvGrpSpPr/>
+          <p:nvPr/>
+        </p:nvGrpSpPr>
+        <p:grpSpPr>
+          <a:xfrm>
+            <a:off x="379688" y="1014086"/>
+            <a:ext cx="11183841" cy="4800294"/>
+            <a:chOff x="379688" y="1014086"/>
+            <a:chExt cx="11183841" cy="4800294"/>
+          </a:xfrm>
+        </p:grpSpPr>
+        <p:pic>
+          <p:nvPicPr>
+            <p:cNvPr id="5" name="Picture 4" descr="A close up of a building&#10;&#10;Description automatically generated">
+              <a:extLst>
+                <a:ext uri="{FF2B5EF4-FFF2-40B4-BE49-F238E27FC236}">
+                  <a16:creationId xmlns:a16="http://schemas.microsoft.com/office/drawing/2014/main" id="{7C1904C1-F0A1-4214-BBE0-8C97E4EE605D}"/>
+                </a:ext>
+              </a:extLst>
+            </p:cNvPr>
+            <p:cNvPicPr>
+              <a:picLocks noChangeAspect="1"/>
+            </p:cNvPicPr>
+            <p:nvPr/>
+          </p:nvPicPr>
+          <p:blipFill>
+            <a:blip r:embed="rId2">
+              <a:extLst>
+                <a:ext uri="{28A0092B-C50C-407E-A947-70E740481C1C}">
+                  <a14:useLocalDpi xmlns:a14="http://schemas.microsoft.com/office/drawing/2010/main" val="0"/>
+                </a:ext>
+              </a:extLst>
+            </a:blip>
+            <a:stretch>
+              <a:fillRect/>
+            </a:stretch>
+          </p:blipFill>
+          <p:spPr>
+            <a:xfrm>
+              <a:off x="379688" y="1014086"/>
+              <a:ext cx="5716312" cy="4800294"/>
+            </a:xfrm>
+            <a:prstGeom prst="rect">
+              <a:avLst/>
+            </a:prstGeom>
+          </p:spPr>
+        </p:pic>
+        <p:pic>
+          <p:nvPicPr>
+            <p:cNvPr id="7" name="Picture 6" descr="A picture containing building&#10;&#10;Description automatically generated">
+              <a:extLst>
+                <a:ext uri="{FF2B5EF4-FFF2-40B4-BE49-F238E27FC236}">
+                  <a16:creationId xmlns:a16="http://schemas.microsoft.com/office/drawing/2014/main" id="{4D47BADE-CF31-4E41-83FD-B6BA32A6094E}"/>
+                </a:ext>
+              </a:extLst>
+            </p:cNvPr>
+            <p:cNvPicPr>
+              <a:picLocks noChangeAspect="1"/>
+            </p:cNvPicPr>
+            <p:nvPr/>
+          </p:nvPicPr>
+          <p:blipFill>
+            <a:blip r:embed="rId3">
+              <a:extLst>
+                <a:ext uri="{28A0092B-C50C-407E-A947-70E740481C1C}">
+                  <a14:useLocalDpi xmlns:a14="http://schemas.microsoft.com/office/drawing/2010/main" val="0"/>
+                </a:ext>
+              </a:extLst>
+            </a:blip>
+            <a:stretch>
+              <a:fillRect/>
+            </a:stretch>
+          </p:blipFill>
+          <p:spPr>
+            <a:xfrm>
+              <a:off x="6177283" y="1014086"/>
+              <a:ext cx="5386246" cy="4800294"/>
+            </a:xfrm>
+            <a:prstGeom prst="rect">
+              <a:avLst/>
+            </a:prstGeom>
+          </p:spPr>
+        </p:pic>
+      </p:grpSp>
+    </p:spTree>
+    <p:extLst>
+      <p:ext uri="{BB962C8B-B14F-4D97-AF65-F5344CB8AC3E}">
+        <p14:creationId xmlns:p14="http://schemas.microsoft.com/office/powerpoint/2010/main" val="224770348"/>
+      </p:ext>
+    </p:extLst>
+  </p:cSld>
+  <p:clrMapOvr>
+    <a:masterClrMapping/>
+  </p:clrMapOvr>
+</p:sld>
+</file>
+
+<file path=ppt/slides/slide3.xml><?xml version="1.0" encoding="utf-8"?>
+<p:sld xmlns:a="http://schemas.openxmlformats.org/drawingml/2006/main" xmlns:r="http://schemas.openxmlformats.org/officeDocument/2006/relationships" xmlns:p="http://schemas.openxmlformats.org/presentationml/2006/main">
+  <p:cSld>
+    <p:bg>
+      <p:bgPr>
+        <a:solidFill>
+          <a:schemeClr val="bg1"/>
+        </a:solidFill>
+        <a:effectLst/>
+      </p:bgPr>
+    </p:bg>
+    <p:spTree>
+      <p:nvGrpSpPr>
+        <p:cNvPr id="1" name=""/>
+        <p:cNvGrpSpPr/>
+        <p:nvPr/>
+      </p:nvGrpSpPr>
+      <p:grpSpPr>
+        <a:xfrm>
+          <a:off x="0" y="0"/>
+          <a:ext cx="0" cy="0"/>
+          <a:chOff x="0" y="0"/>
+          <a:chExt cx="0" cy="0"/>
+        </a:xfrm>
+      </p:grpSpPr>
+      <p:grpSp>
+        <p:nvGrpSpPr>
+          <p:cNvPr id="17" name="Group 16">
+            <a:extLst>
+              <a:ext uri="{FF2B5EF4-FFF2-40B4-BE49-F238E27FC236}">
+                <a16:creationId xmlns:a16="http://schemas.microsoft.com/office/drawing/2014/main" id="{5FFB0B8C-4BFE-4033-B800-7B48DF3F5A9E}"/>
+              </a:ext>
+            </a:extLst>
+          </p:cNvPr>
+          <p:cNvGrpSpPr/>
+          <p:nvPr/>
+        </p:nvGrpSpPr>
+        <p:grpSpPr>
+          <a:xfrm>
+            <a:off x="643467" y="1987170"/>
+            <a:ext cx="10949656" cy="2883660"/>
+            <a:chOff x="643467" y="1987170"/>
+            <a:chExt cx="10949656" cy="2883660"/>
+          </a:xfrm>
+        </p:grpSpPr>
+        <p:pic>
+          <p:nvPicPr>
+            <p:cNvPr id="14" name="Picture 13" descr="A close up of a device&#10;&#10;Description automatically generated">
+              <a:extLst>
+                <a:ext uri="{FF2B5EF4-FFF2-40B4-BE49-F238E27FC236}">
+                  <a16:creationId xmlns:a16="http://schemas.microsoft.com/office/drawing/2014/main" id="{E0B9BB1B-FC16-4CCD-93E7-6367FC23D91D}"/>
+                </a:ext>
+              </a:extLst>
+            </p:cNvPr>
+            <p:cNvPicPr>
+              <a:picLocks noChangeAspect="1"/>
+            </p:cNvPicPr>
+            <p:nvPr/>
+          </p:nvPicPr>
+          <p:blipFill>
+            <a:blip r:embed="rId2">
+              <a:extLst>
+                <a:ext uri="{28A0092B-C50C-407E-A947-70E740481C1C}">
+                  <a14:useLocalDpi xmlns:a14="http://schemas.microsoft.com/office/drawing/2010/main" val="0"/>
+                </a:ext>
+              </a:extLst>
+            </a:blip>
+            <a:stretch>
+              <a:fillRect/>
+            </a:stretch>
+          </p:blipFill>
+          <p:spPr>
+            <a:xfrm>
+              <a:off x="643467" y="1987170"/>
+              <a:ext cx="5291666" cy="2883660"/>
+            </a:xfrm>
+            <a:prstGeom prst="rect">
+              <a:avLst/>
+            </a:prstGeom>
+          </p:spPr>
+        </p:pic>
+        <p:pic>
+          <p:nvPicPr>
+            <p:cNvPr id="16" name="Picture 15" descr="A close up of a logo&#10;&#10;Description automatically generated">
+              <a:extLst>
+                <a:ext uri="{FF2B5EF4-FFF2-40B4-BE49-F238E27FC236}">
+                  <a16:creationId xmlns:a16="http://schemas.microsoft.com/office/drawing/2014/main" id="{BFC49E5B-51AF-4D7E-A2F4-431834F81E33}"/>
+                </a:ext>
+              </a:extLst>
+            </p:cNvPr>
+            <p:cNvPicPr>
+              <a:picLocks noChangeAspect="1"/>
+            </p:cNvPicPr>
+            <p:nvPr/>
+          </p:nvPicPr>
+          <p:blipFill>
+            <a:blip r:embed="rId3">
+              <a:extLst>
+                <a:ext uri="{28A0092B-C50C-407E-A947-70E740481C1C}">
+                  <a14:useLocalDpi xmlns:a14="http://schemas.microsoft.com/office/drawing/2010/main" val="0"/>
+                </a:ext>
+              </a:extLst>
+            </a:blip>
+            <a:stretch>
+              <a:fillRect/>
+            </a:stretch>
+          </p:blipFill>
+          <p:spPr>
+            <a:xfrm>
+              <a:off x="6256865" y="1987170"/>
+              <a:ext cx="5336258" cy="2883659"/>
+            </a:xfrm>
+            <a:prstGeom prst="rect">
+              <a:avLst/>
+            </a:prstGeom>
+          </p:spPr>
+        </p:pic>
+      </p:grpSp>
+    </p:spTree>
+    <p:extLst>
+      <p:ext uri="{BB962C8B-B14F-4D97-AF65-F5344CB8AC3E}">
+        <p14:creationId xmlns:p14="http://schemas.microsoft.com/office/powerpoint/2010/main" val="4071616675"/>
+      </p:ext>
+    </p:extLst>
+  </p:cSld>
+  <p:clrMapOvr>
+    <a:masterClrMapping/>
+  </p:clrMapOvr>
+</p:sld>
+</file>
+
 <file path=ppt/theme/theme1.xml><?xml version="1.0" encoding="utf-8"?>
 <a:theme xmlns:a="http://schemas.openxmlformats.org/drawingml/2006/main" name="Office Theme">
   <a:themeElements>
